--- a/images/ch2_RC.pptx
+++ b/images/ch2_RC.pptx
@@ -5,7 +5,7 @@
     <p:sldMasterId id="2147483648" r:id="rId1"/>
   </p:sldMasterIdLst>
   <p:sldIdLst>
-    <p:sldId id="276" r:id="rId3"/>
+    <p:sldId id="276" r:id="rId2"/>
   </p:sldIdLst>
   <p:sldSz cx="12192000" cy="6858000"/>
   <p:notesSz cx="6858000" cy="9144000"/>
@@ -104,6 +104,11 @@
       </a:defRPr>
     </a:lvl9pPr>
   </p:defaultTextStyle>
+  <p:extLst>
+    <p:ext uri="{EFAFB233-063F-42B5-8137-9DF3F51BA10A}">
+      <p15:sldGuideLst xmlns:p15="http://schemas.microsoft.com/office/powerpoint/2012/main"/>
+    </p:ext>
+  </p:extLst>
 </p:presentation>
 </file>
 
@@ -152,7 +157,6 @@
               <a:rPr lang="zh-CN" altLang="en-US"/>
               <a:t>单击此处编辑母版标题样式</a:t>
             </a:r>
-            <a:endParaRPr lang="zh-CN" altLang="en-US"/>
           </a:p>
         </p:txBody>
       </p:sp>
@@ -217,7 +221,6 @@
               <a:rPr lang="zh-CN" altLang="en-US"/>
               <a:t>单击此处编辑母版副标题样式</a:t>
             </a:r>
-            <a:endParaRPr lang="zh-CN" altLang="en-US"/>
           </a:p>
         </p:txBody>
       </p:sp>
@@ -238,6 +241,7 @@
           <a:p>
             <a:fld id="{CDC5F275-F033-4F5F-ACA8-E5E257B02505}" type="datetimeFigureOut">
               <a:rPr lang="zh-CN" altLang="en-US" smtClean="0"/>
+              <a:t>2022/3/13</a:t>
             </a:fld>
             <a:endParaRPr lang="zh-CN" altLang="en-US"/>
           </a:p>
@@ -279,6 +283,7 @@
           <a:p>
             <a:fld id="{6461CA99-A97F-434E-9DEE-D1BDBB856027}" type="slidenum">
               <a:rPr lang="zh-CN" altLang="en-US" smtClean="0"/>
+              <a:t>‹#›</a:t>
             </a:fld>
             <a:endParaRPr lang="zh-CN" altLang="en-US"/>
           </a:p>
@@ -328,7 +333,6 @@
               <a:rPr lang="zh-CN" altLang="en-US"/>
               <a:t>单击此处编辑母版标题样式</a:t>
             </a:r>
-            <a:endParaRPr lang="zh-CN" altLang="en-US"/>
           </a:p>
         </p:txBody>
       </p:sp>
@@ -352,7 +356,6 @@
               <a:rPr lang="zh-CN" altLang="en-US"/>
               <a:t>编辑母版文本样式</a:t>
             </a:r>
-            <a:endParaRPr lang="zh-CN" altLang="en-US"/>
           </a:p>
           <a:p>
             <a:pPr lvl="1"/>
@@ -360,7 +363,6 @@
               <a:rPr lang="zh-CN" altLang="en-US"/>
               <a:t>第二级</a:t>
             </a:r>
-            <a:endParaRPr lang="zh-CN" altLang="en-US"/>
           </a:p>
           <a:p>
             <a:pPr lvl="2"/>
@@ -368,7 +370,6 @@
               <a:rPr lang="zh-CN" altLang="en-US"/>
               <a:t>第三级</a:t>
             </a:r>
-            <a:endParaRPr lang="zh-CN" altLang="en-US"/>
           </a:p>
           <a:p>
             <a:pPr lvl="3"/>
@@ -376,7 +377,6 @@
               <a:rPr lang="zh-CN" altLang="en-US"/>
               <a:t>第四级</a:t>
             </a:r>
-            <a:endParaRPr lang="zh-CN" altLang="en-US"/>
           </a:p>
           <a:p>
             <a:pPr lvl="4"/>
@@ -384,7 +384,6 @@
               <a:rPr lang="zh-CN" altLang="en-US"/>
               <a:t>第五级</a:t>
             </a:r>
-            <a:endParaRPr lang="zh-CN" altLang="en-US"/>
           </a:p>
         </p:txBody>
       </p:sp>
@@ -405,6 +404,7 @@
           <a:p>
             <a:fld id="{CDC5F275-F033-4F5F-ACA8-E5E257B02505}" type="datetimeFigureOut">
               <a:rPr lang="zh-CN" altLang="en-US" smtClean="0"/>
+              <a:t>2022/3/13</a:t>
             </a:fld>
             <a:endParaRPr lang="zh-CN" altLang="en-US"/>
           </a:p>
@@ -446,6 +446,7 @@
           <a:p>
             <a:fld id="{6461CA99-A97F-434E-9DEE-D1BDBB856027}" type="slidenum">
               <a:rPr lang="zh-CN" altLang="en-US" smtClean="0"/>
+              <a:t>‹#›</a:t>
             </a:fld>
             <a:endParaRPr lang="zh-CN" altLang="en-US"/>
           </a:p>
@@ -500,7 +501,6 @@
               <a:rPr lang="zh-CN" altLang="en-US"/>
               <a:t>单击此处编辑母版标题样式</a:t>
             </a:r>
-            <a:endParaRPr lang="zh-CN" altLang="en-US"/>
           </a:p>
         </p:txBody>
       </p:sp>
@@ -529,7 +529,6 @@
               <a:rPr lang="zh-CN" altLang="en-US"/>
               <a:t>编辑母版文本样式</a:t>
             </a:r>
-            <a:endParaRPr lang="zh-CN" altLang="en-US"/>
           </a:p>
           <a:p>
             <a:pPr lvl="1"/>
@@ -537,7 +536,6 @@
               <a:rPr lang="zh-CN" altLang="en-US"/>
               <a:t>第二级</a:t>
             </a:r>
-            <a:endParaRPr lang="zh-CN" altLang="en-US"/>
           </a:p>
           <a:p>
             <a:pPr lvl="2"/>
@@ -545,7 +543,6 @@
               <a:rPr lang="zh-CN" altLang="en-US"/>
               <a:t>第三级</a:t>
             </a:r>
-            <a:endParaRPr lang="zh-CN" altLang="en-US"/>
           </a:p>
           <a:p>
             <a:pPr lvl="3"/>
@@ -553,7 +550,6 @@
               <a:rPr lang="zh-CN" altLang="en-US"/>
               <a:t>第四级</a:t>
             </a:r>
-            <a:endParaRPr lang="zh-CN" altLang="en-US"/>
           </a:p>
           <a:p>
             <a:pPr lvl="4"/>
@@ -561,7 +557,6 @@
               <a:rPr lang="zh-CN" altLang="en-US"/>
               <a:t>第五级</a:t>
             </a:r>
-            <a:endParaRPr lang="zh-CN" altLang="en-US"/>
           </a:p>
         </p:txBody>
       </p:sp>
@@ -582,6 +577,7 @@
           <a:p>
             <a:fld id="{CDC5F275-F033-4F5F-ACA8-E5E257B02505}" type="datetimeFigureOut">
               <a:rPr lang="zh-CN" altLang="en-US" smtClean="0"/>
+              <a:t>2022/3/13</a:t>
             </a:fld>
             <a:endParaRPr lang="zh-CN" altLang="en-US"/>
           </a:p>
@@ -623,6 +619,7 @@
           <a:p>
             <a:fld id="{6461CA99-A97F-434E-9DEE-D1BDBB856027}" type="slidenum">
               <a:rPr lang="zh-CN" altLang="en-US" smtClean="0"/>
+              <a:t>‹#›</a:t>
             </a:fld>
             <a:endParaRPr lang="zh-CN" altLang="en-US"/>
           </a:p>
@@ -672,7 +669,6 @@
               <a:rPr lang="zh-CN" altLang="en-US"/>
               <a:t>单击此处编辑母版标题样式</a:t>
             </a:r>
-            <a:endParaRPr lang="zh-CN" altLang="en-US"/>
           </a:p>
         </p:txBody>
       </p:sp>
@@ -696,7 +692,6 @@
               <a:rPr lang="zh-CN" altLang="en-US"/>
               <a:t>编辑母版文本样式</a:t>
             </a:r>
-            <a:endParaRPr lang="zh-CN" altLang="en-US"/>
           </a:p>
           <a:p>
             <a:pPr lvl="1"/>
@@ -704,7 +699,6 @@
               <a:rPr lang="zh-CN" altLang="en-US"/>
               <a:t>第二级</a:t>
             </a:r>
-            <a:endParaRPr lang="zh-CN" altLang="en-US"/>
           </a:p>
           <a:p>
             <a:pPr lvl="2"/>
@@ -712,7 +706,6 @@
               <a:rPr lang="zh-CN" altLang="en-US"/>
               <a:t>第三级</a:t>
             </a:r>
-            <a:endParaRPr lang="zh-CN" altLang="en-US"/>
           </a:p>
           <a:p>
             <a:pPr lvl="3"/>
@@ -720,7 +713,6 @@
               <a:rPr lang="zh-CN" altLang="en-US"/>
               <a:t>第四级</a:t>
             </a:r>
-            <a:endParaRPr lang="zh-CN" altLang="en-US"/>
           </a:p>
           <a:p>
             <a:pPr lvl="4"/>
@@ -728,7 +720,6 @@
               <a:rPr lang="zh-CN" altLang="en-US"/>
               <a:t>第五级</a:t>
             </a:r>
-            <a:endParaRPr lang="zh-CN" altLang="en-US"/>
           </a:p>
         </p:txBody>
       </p:sp>
@@ -749,6 +740,7 @@
           <a:p>
             <a:fld id="{CDC5F275-F033-4F5F-ACA8-E5E257B02505}" type="datetimeFigureOut">
               <a:rPr lang="zh-CN" altLang="en-US" smtClean="0"/>
+              <a:t>2022/3/13</a:t>
             </a:fld>
             <a:endParaRPr lang="zh-CN" altLang="en-US"/>
           </a:p>
@@ -790,6 +782,7 @@
           <a:p>
             <a:fld id="{6461CA99-A97F-434E-9DEE-D1BDBB856027}" type="slidenum">
               <a:rPr lang="zh-CN" altLang="en-US" smtClean="0"/>
+              <a:t>‹#›</a:t>
             </a:fld>
             <a:endParaRPr lang="zh-CN" altLang="en-US"/>
           </a:p>
@@ -848,7 +841,6 @@
               <a:rPr lang="zh-CN" altLang="en-US"/>
               <a:t>单击此处编辑母版标题样式</a:t>
             </a:r>
-            <a:endParaRPr lang="zh-CN" altLang="en-US"/>
           </a:p>
         </p:txBody>
       </p:sp>
@@ -968,7 +960,6 @@
               <a:rPr lang="zh-CN" altLang="en-US"/>
               <a:t>编辑母版文本样式</a:t>
             </a:r>
-            <a:endParaRPr lang="zh-CN" altLang="en-US"/>
           </a:p>
         </p:txBody>
       </p:sp>
@@ -989,6 +980,7 @@
           <a:p>
             <a:fld id="{CDC5F275-F033-4F5F-ACA8-E5E257B02505}" type="datetimeFigureOut">
               <a:rPr lang="zh-CN" altLang="en-US" smtClean="0"/>
+              <a:t>2022/3/13</a:t>
             </a:fld>
             <a:endParaRPr lang="zh-CN" altLang="en-US"/>
           </a:p>
@@ -1030,6 +1022,7 @@
           <a:p>
             <a:fld id="{6461CA99-A97F-434E-9DEE-D1BDBB856027}" type="slidenum">
               <a:rPr lang="zh-CN" altLang="en-US" smtClean="0"/>
+              <a:t>‹#›</a:t>
             </a:fld>
             <a:endParaRPr lang="zh-CN" altLang="en-US"/>
           </a:p>
@@ -1079,7 +1072,6 @@
               <a:rPr lang="zh-CN" altLang="en-US"/>
               <a:t>单击此处编辑母版标题样式</a:t>
             </a:r>
-            <a:endParaRPr lang="zh-CN" altLang="en-US"/>
           </a:p>
         </p:txBody>
       </p:sp>
@@ -1108,7 +1100,6 @@
               <a:rPr lang="zh-CN" altLang="en-US"/>
               <a:t>编辑母版文本样式</a:t>
             </a:r>
-            <a:endParaRPr lang="zh-CN" altLang="en-US"/>
           </a:p>
           <a:p>
             <a:pPr lvl="1"/>
@@ -1116,7 +1107,6 @@
               <a:rPr lang="zh-CN" altLang="en-US"/>
               <a:t>第二级</a:t>
             </a:r>
-            <a:endParaRPr lang="zh-CN" altLang="en-US"/>
           </a:p>
           <a:p>
             <a:pPr lvl="2"/>
@@ -1124,7 +1114,6 @@
               <a:rPr lang="zh-CN" altLang="en-US"/>
               <a:t>第三级</a:t>
             </a:r>
-            <a:endParaRPr lang="zh-CN" altLang="en-US"/>
           </a:p>
           <a:p>
             <a:pPr lvl="3"/>
@@ -1132,7 +1121,6 @@
               <a:rPr lang="zh-CN" altLang="en-US"/>
               <a:t>第四级</a:t>
             </a:r>
-            <a:endParaRPr lang="zh-CN" altLang="en-US"/>
           </a:p>
           <a:p>
             <a:pPr lvl="4"/>
@@ -1140,7 +1128,6 @@
               <a:rPr lang="zh-CN" altLang="en-US"/>
               <a:t>第五级</a:t>
             </a:r>
-            <a:endParaRPr lang="zh-CN" altLang="en-US"/>
           </a:p>
         </p:txBody>
       </p:sp>
@@ -1169,7 +1156,6 @@
               <a:rPr lang="zh-CN" altLang="en-US"/>
               <a:t>编辑母版文本样式</a:t>
             </a:r>
-            <a:endParaRPr lang="zh-CN" altLang="en-US"/>
           </a:p>
           <a:p>
             <a:pPr lvl="1"/>
@@ -1177,7 +1163,6 @@
               <a:rPr lang="zh-CN" altLang="en-US"/>
               <a:t>第二级</a:t>
             </a:r>
-            <a:endParaRPr lang="zh-CN" altLang="en-US"/>
           </a:p>
           <a:p>
             <a:pPr lvl="2"/>
@@ -1185,7 +1170,6 @@
               <a:rPr lang="zh-CN" altLang="en-US"/>
               <a:t>第三级</a:t>
             </a:r>
-            <a:endParaRPr lang="zh-CN" altLang="en-US"/>
           </a:p>
           <a:p>
             <a:pPr lvl="3"/>
@@ -1193,7 +1177,6 @@
               <a:rPr lang="zh-CN" altLang="en-US"/>
               <a:t>第四级</a:t>
             </a:r>
-            <a:endParaRPr lang="zh-CN" altLang="en-US"/>
           </a:p>
           <a:p>
             <a:pPr lvl="4"/>
@@ -1201,7 +1184,6 @@
               <a:rPr lang="zh-CN" altLang="en-US"/>
               <a:t>第五级</a:t>
             </a:r>
-            <a:endParaRPr lang="zh-CN" altLang="en-US"/>
           </a:p>
         </p:txBody>
       </p:sp>
@@ -1222,6 +1204,7 @@
           <a:p>
             <a:fld id="{CDC5F275-F033-4F5F-ACA8-E5E257B02505}" type="datetimeFigureOut">
               <a:rPr lang="zh-CN" altLang="en-US" smtClean="0"/>
+              <a:t>2022/3/13</a:t>
             </a:fld>
             <a:endParaRPr lang="zh-CN" altLang="en-US"/>
           </a:p>
@@ -1263,6 +1246,7 @@
           <a:p>
             <a:fld id="{6461CA99-A97F-434E-9DEE-D1BDBB856027}" type="slidenum">
               <a:rPr lang="zh-CN" altLang="en-US" smtClean="0"/>
+              <a:t>‹#›</a:t>
             </a:fld>
             <a:endParaRPr lang="zh-CN" altLang="en-US"/>
           </a:p>
@@ -1317,7 +1301,6 @@
               <a:rPr lang="zh-CN" altLang="en-US"/>
               <a:t>单击此处编辑母版标题样式</a:t>
             </a:r>
-            <a:endParaRPr lang="zh-CN" altLang="en-US"/>
           </a:p>
         </p:txBody>
       </p:sp>
@@ -1383,7 +1366,6 @@
               <a:rPr lang="zh-CN" altLang="en-US"/>
               <a:t>编辑母版文本样式</a:t>
             </a:r>
-            <a:endParaRPr lang="zh-CN" altLang="en-US"/>
           </a:p>
         </p:txBody>
       </p:sp>
@@ -1412,7 +1394,6 @@
               <a:rPr lang="zh-CN" altLang="en-US"/>
               <a:t>编辑母版文本样式</a:t>
             </a:r>
-            <a:endParaRPr lang="zh-CN" altLang="en-US"/>
           </a:p>
           <a:p>
             <a:pPr lvl="1"/>
@@ -1420,7 +1401,6 @@
               <a:rPr lang="zh-CN" altLang="en-US"/>
               <a:t>第二级</a:t>
             </a:r>
-            <a:endParaRPr lang="zh-CN" altLang="en-US"/>
           </a:p>
           <a:p>
             <a:pPr lvl="2"/>
@@ -1428,7 +1408,6 @@
               <a:rPr lang="zh-CN" altLang="en-US"/>
               <a:t>第三级</a:t>
             </a:r>
-            <a:endParaRPr lang="zh-CN" altLang="en-US"/>
           </a:p>
           <a:p>
             <a:pPr lvl="3"/>
@@ -1436,7 +1415,6 @@
               <a:rPr lang="zh-CN" altLang="en-US"/>
               <a:t>第四级</a:t>
             </a:r>
-            <a:endParaRPr lang="zh-CN" altLang="en-US"/>
           </a:p>
           <a:p>
             <a:pPr lvl="4"/>
@@ -1444,7 +1422,6 @@
               <a:rPr lang="zh-CN" altLang="en-US"/>
               <a:t>第五级</a:t>
             </a:r>
-            <a:endParaRPr lang="zh-CN" altLang="en-US"/>
           </a:p>
         </p:txBody>
       </p:sp>
@@ -1510,7 +1487,6 @@
               <a:rPr lang="zh-CN" altLang="en-US"/>
               <a:t>编辑母版文本样式</a:t>
             </a:r>
-            <a:endParaRPr lang="zh-CN" altLang="en-US"/>
           </a:p>
         </p:txBody>
       </p:sp>
@@ -1539,7 +1515,6 @@
               <a:rPr lang="zh-CN" altLang="en-US"/>
               <a:t>编辑母版文本样式</a:t>
             </a:r>
-            <a:endParaRPr lang="zh-CN" altLang="en-US"/>
           </a:p>
           <a:p>
             <a:pPr lvl="1"/>
@@ -1547,7 +1522,6 @@
               <a:rPr lang="zh-CN" altLang="en-US"/>
               <a:t>第二级</a:t>
             </a:r>
-            <a:endParaRPr lang="zh-CN" altLang="en-US"/>
           </a:p>
           <a:p>
             <a:pPr lvl="2"/>
@@ -1555,7 +1529,6 @@
               <a:rPr lang="zh-CN" altLang="en-US"/>
               <a:t>第三级</a:t>
             </a:r>
-            <a:endParaRPr lang="zh-CN" altLang="en-US"/>
           </a:p>
           <a:p>
             <a:pPr lvl="3"/>
@@ -1563,7 +1536,6 @@
               <a:rPr lang="zh-CN" altLang="en-US"/>
               <a:t>第四级</a:t>
             </a:r>
-            <a:endParaRPr lang="zh-CN" altLang="en-US"/>
           </a:p>
           <a:p>
             <a:pPr lvl="4"/>
@@ -1571,7 +1543,6 @@
               <a:rPr lang="zh-CN" altLang="en-US"/>
               <a:t>第五级</a:t>
             </a:r>
-            <a:endParaRPr lang="zh-CN" altLang="en-US"/>
           </a:p>
         </p:txBody>
       </p:sp>
@@ -1592,6 +1563,7 @@
           <a:p>
             <a:fld id="{CDC5F275-F033-4F5F-ACA8-E5E257B02505}" type="datetimeFigureOut">
               <a:rPr lang="zh-CN" altLang="en-US" smtClean="0"/>
+              <a:t>2022/3/13</a:t>
             </a:fld>
             <a:endParaRPr lang="zh-CN" altLang="en-US"/>
           </a:p>
@@ -1633,6 +1605,7 @@
           <a:p>
             <a:fld id="{6461CA99-A97F-434E-9DEE-D1BDBB856027}" type="slidenum">
               <a:rPr lang="zh-CN" altLang="en-US" smtClean="0"/>
+              <a:t>‹#›</a:t>
             </a:fld>
             <a:endParaRPr lang="zh-CN" altLang="en-US"/>
           </a:p>
@@ -1682,7 +1655,6 @@
               <a:rPr lang="zh-CN" altLang="en-US"/>
               <a:t>单击此处编辑母版标题样式</a:t>
             </a:r>
-            <a:endParaRPr lang="zh-CN" altLang="en-US"/>
           </a:p>
         </p:txBody>
       </p:sp>
@@ -1703,6 +1675,7 @@
           <a:p>
             <a:fld id="{CDC5F275-F033-4F5F-ACA8-E5E257B02505}" type="datetimeFigureOut">
               <a:rPr lang="zh-CN" altLang="en-US" smtClean="0"/>
+              <a:t>2022/3/13</a:t>
             </a:fld>
             <a:endParaRPr lang="zh-CN" altLang="en-US"/>
           </a:p>
@@ -1744,6 +1717,7 @@
           <a:p>
             <a:fld id="{6461CA99-A97F-434E-9DEE-D1BDBB856027}" type="slidenum">
               <a:rPr lang="zh-CN" altLang="en-US" smtClean="0"/>
+              <a:t>‹#›</a:t>
             </a:fld>
             <a:endParaRPr lang="zh-CN" altLang="en-US"/>
           </a:p>
@@ -1791,6 +1765,7 @@
           <a:p>
             <a:fld id="{CDC5F275-F033-4F5F-ACA8-E5E257B02505}" type="datetimeFigureOut">
               <a:rPr lang="zh-CN" altLang="en-US" smtClean="0"/>
+              <a:t>2022/3/13</a:t>
             </a:fld>
             <a:endParaRPr lang="zh-CN" altLang="en-US"/>
           </a:p>
@@ -1832,6 +1807,7 @@
           <a:p>
             <a:fld id="{6461CA99-A97F-434E-9DEE-D1BDBB856027}" type="slidenum">
               <a:rPr lang="zh-CN" altLang="en-US" smtClean="0"/>
+              <a:t>‹#›</a:t>
             </a:fld>
             <a:endParaRPr lang="zh-CN" altLang="en-US"/>
           </a:p>
@@ -1890,7 +1866,6 @@
               <a:rPr lang="zh-CN" altLang="en-US"/>
               <a:t>单击此处编辑母版标题样式</a:t>
             </a:r>
-            <a:endParaRPr lang="zh-CN" altLang="en-US"/>
           </a:p>
         </p:txBody>
       </p:sp>
@@ -1947,7 +1922,6 @@
               <a:rPr lang="zh-CN" altLang="en-US"/>
               <a:t>编辑母版文本样式</a:t>
             </a:r>
-            <a:endParaRPr lang="zh-CN" altLang="en-US"/>
           </a:p>
           <a:p>
             <a:pPr lvl="1"/>
@@ -1955,7 +1929,6 @@
               <a:rPr lang="zh-CN" altLang="en-US"/>
               <a:t>第二级</a:t>
             </a:r>
-            <a:endParaRPr lang="zh-CN" altLang="en-US"/>
           </a:p>
           <a:p>
             <a:pPr lvl="2"/>
@@ -1963,7 +1936,6 @@
               <a:rPr lang="zh-CN" altLang="en-US"/>
               <a:t>第三级</a:t>
             </a:r>
-            <a:endParaRPr lang="zh-CN" altLang="en-US"/>
           </a:p>
           <a:p>
             <a:pPr lvl="3"/>
@@ -1971,7 +1943,6 @@
               <a:rPr lang="zh-CN" altLang="en-US"/>
               <a:t>第四级</a:t>
             </a:r>
-            <a:endParaRPr lang="zh-CN" altLang="en-US"/>
           </a:p>
           <a:p>
             <a:pPr lvl="4"/>
@@ -1979,7 +1950,6 @@
               <a:rPr lang="zh-CN" altLang="en-US"/>
               <a:t>第五级</a:t>
             </a:r>
-            <a:endParaRPr lang="zh-CN" altLang="en-US"/>
           </a:p>
         </p:txBody>
       </p:sp>
@@ -2045,7 +2015,6 @@
               <a:rPr lang="zh-CN" altLang="en-US"/>
               <a:t>编辑母版文本样式</a:t>
             </a:r>
-            <a:endParaRPr lang="zh-CN" altLang="en-US"/>
           </a:p>
         </p:txBody>
       </p:sp>
@@ -2066,6 +2035,7 @@
           <a:p>
             <a:fld id="{CDC5F275-F033-4F5F-ACA8-E5E257B02505}" type="datetimeFigureOut">
               <a:rPr lang="zh-CN" altLang="en-US" smtClean="0"/>
+              <a:t>2022/3/13</a:t>
             </a:fld>
             <a:endParaRPr lang="zh-CN" altLang="en-US"/>
           </a:p>
@@ -2107,6 +2077,7 @@
           <a:p>
             <a:fld id="{6461CA99-A97F-434E-9DEE-D1BDBB856027}" type="slidenum">
               <a:rPr lang="zh-CN" altLang="en-US" smtClean="0"/>
+              <a:t>‹#›</a:t>
             </a:fld>
             <a:endParaRPr lang="zh-CN" altLang="en-US"/>
           </a:p>
@@ -2165,7 +2136,6 @@
               <a:rPr lang="zh-CN" altLang="en-US"/>
               <a:t>单击此处编辑母版标题样式</a:t>
             </a:r>
-            <a:endParaRPr lang="zh-CN" altLang="en-US"/>
           </a:p>
         </p:txBody>
       </p:sp>
@@ -2292,7 +2262,6 @@
               <a:rPr lang="zh-CN" altLang="en-US"/>
               <a:t>编辑母版文本样式</a:t>
             </a:r>
-            <a:endParaRPr lang="zh-CN" altLang="en-US"/>
           </a:p>
         </p:txBody>
       </p:sp>
@@ -2313,6 +2282,7 @@
           <a:p>
             <a:fld id="{CDC5F275-F033-4F5F-ACA8-E5E257B02505}" type="datetimeFigureOut">
               <a:rPr lang="zh-CN" altLang="en-US" smtClean="0"/>
+              <a:t>2022/3/13</a:t>
             </a:fld>
             <a:endParaRPr lang="zh-CN" altLang="en-US"/>
           </a:p>
@@ -2354,6 +2324,7 @@
           <a:p>
             <a:fld id="{6461CA99-A97F-434E-9DEE-D1BDBB856027}" type="slidenum">
               <a:rPr lang="zh-CN" altLang="en-US" smtClean="0"/>
+              <a:t>‹#›</a:t>
             </a:fld>
             <a:endParaRPr lang="zh-CN" altLang="en-US"/>
           </a:p>
@@ -2418,7 +2389,6 @@
               <a:rPr lang="zh-CN" altLang="en-US"/>
               <a:t>单击此处编辑母版标题样式</a:t>
             </a:r>
-            <a:endParaRPr lang="zh-CN" altLang="en-US"/>
           </a:p>
         </p:txBody>
       </p:sp>
@@ -2452,7 +2422,6 @@
               <a:rPr lang="zh-CN" altLang="en-US"/>
               <a:t>编辑母版文本样式</a:t>
             </a:r>
-            <a:endParaRPr lang="zh-CN" altLang="en-US"/>
           </a:p>
           <a:p>
             <a:pPr lvl="1"/>
@@ -2460,7 +2429,6 @@
               <a:rPr lang="zh-CN" altLang="en-US"/>
               <a:t>第二级</a:t>
             </a:r>
-            <a:endParaRPr lang="zh-CN" altLang="en-US"/>
           </a:p>
           <a:p>
             <a:pPr lvl="2"/>
@@ -2468,7 +2436,6 @@
               <a:rPr lang="zh-CN" altLang="en-US"/>
               <a:t>第三级</a:t>
             </a:r>
-            <a:endParaRPr lang="zh-CN" altLang="en-US"/>
           </a:p>
           <a:p>
             <a:pPr lvl="3"/>
@@ -2476,7 +2443,6 @@
               <a:rPr lang="zh-CN" altLang="en-US"/>
               <a:t>第四级</a:t>
             </a:r>
-            <a:endParaRPr lang="zh-CN" altLang="en-US"/>
           </a:p>
           <a:p>
             <a:pPr lvl="4"/>
@@ -2484,7 +2450,6 @@
               <a:rPr lang="zh-CN" altLang="en-US"/>
               <a:t>第五级</a:t>
             </a:r>
-            <a:endParaRPr lang="zh-CN" altLang="en-US"/>
           </a:p>
         </p:txBody>
       </p:sp>
@@ -2523,6 +2488,7 @@
           <a:p>
             <a:fld id="{CDC5F275-F033-4F5F-ACA8-E5E257B02505}" type="datetimeFigureOut">
               <a:rPr lang="zh-CN" altLang="en-US" smtClean="0"/>
+              <a:t>2022/3/13</a:t>
             </a:fld>
             <a:endParaRPr lang="zh-CN" altLang="en-US"/>
           </a:p>
@@ -2600,6 +2566,7 @@
           <a:p>
             <a:fld id="{6461CA99-A97F-434E-9DEE-D1BDBB856027}" type="slidenum">
               <a:rPr lang="zh-CN" altLang="en-US" smtClean="0"/>
+              <a:t>‹#›</a:t>
             </a:fld>
             <a:endParaRPr lang="zh-CN" altLang="en-US"/>
           </a:p>
@@ -2929,8 +2896,8 @@
         </p:nvSpPr>
         <p:spPr>
           <a:xfrm>
-            <a:off x="1507786" y="2427052"/>
-            <a:ext cx="2373549" cy="612843"/>
+            <a:off x="1507786" y="2412671"/>
+            <a:ext cx="2373549" cy="710931"/>
           </a:xfrm>
           <a:prstGeom prst="homePlate">
             <a:avLst/>
@@ -2967,12 +2934,8 @@
                 <a:latin typeface="宋体" panose="02010600030101010101" pitchFamily="2" charset="-122"/>
                 <a:ea typeface="宋体" panose="02010600030101010101" pitchFamily="2" charset="-122"/>
               </a:rPr>
-              <a:t>如何构建适用于大规模深度学习模型的测试方法？</a:t>
-            </a:r>
-            <a:endParaRPr lang="zh-CN" altLang="en-US" sz="1400" dirty="0">
-              <a:latin typeface="宋体" panose="02010600030101010101" pitchFamily="2" charset="-122"/>
-              <a:ea typeface="宋体" panose="02010600030101010101" pitchFamily="2" charset="-122"/>
-            </a:endParaRPr>
+              <a:t>如何从待测模型中准确抽取具有语义逻辑的测试覆盖对象？</a:t>
+            </a:r>
           </a:p>
         </p:txBody>
       </p:sp>
@@ -2984,8 +2947,8 @@
         </p:nvSpPr>
         <p:spPr>
           <a:xfrm>
-            <a:off x="1507786" y="3328482"/>
-            <a:ext cx="2373549" cy="612843"/>
+            <a:off x="1507786" y="3288138"/>
+            <a:ext cx="2373549" cy="710931"/>
           </a:xfrm>
           <a:prstGeom prst="homePlate">
             <a:avLst/>
@@ -3028,15 +2991,8 @@
                 <a:latin typeface="宋体" panose="02010600030101010101" pitchFamily="2" charset="-122"/>
                 <a:ea typeface="宋体" panose="02010600030101010101" pitchFamily="2" charset="-122"/>
               </a:rPr>
-              <a:t>如何建立模型测试结果解释机制，辅助模型优化？</a:t>
-            </a:r>
-            <a:endParaRPr lang="zh-CN" altLang="en-US" sz="1400" dirty="0">
-              <a:solidFill>
-                <a:schemeClr val="tx1"/>
-              </a:solidFill>
-              <a:latin typeface="宋体" panose="02010600030101010101" pitchFamily="2" charset="-122"/>
-              <a:ea typeface="宋体" panose="02010600030101010101" pitchFamily="2" charset="-122"/>
-            </a:endParaRPr>
+              <a:t>在受限场景下，如何衡量测试数据对模型决策逻辑的覆盖度？</a:t>
+            </a:r>
           </a:p>
         </p:txBody>
       </p:sp>
@@ -3048,8 +3004,8 @@
         </p:nvSpPr>
         <p:spPr>
           <a:xfrm>
-            <a:off x="1507786" y="4229912"/>
-            <a:ext cx="2373549" cy="612843"/>
+            <a:off x="1507786" y="4157786"/>
+            <a:ext cx="2373549" cy="710931"/>
           </a:xfrm>
           <a:prstGeom prst="homePlate">
             <a:avLst/>
@@ -3092,15 +3048,8 @@
                 <a:latin typeface="宋体" panose="02010600030101010101" pitchFamily="2" charset="-122"/>
                 <a:ea typeface="宋体" panose="02010600030101010101" pitchFamily="2" charset="-122"/>
               </a:rPr>
-              <a:t>如何在保证测试集质量前提下降低测试标注成本？</a:t>
-            </a:r>
-            <a:endParaRPr lang="zh-CN" altLang="en-US" sz="1400" dirty="0">
-              <a:solidFill>
-                <a:schemeClr val="tx1"/>
-              </a:solidFill>
-              <a:latin typeface="宋体" panose="02010600030101010101" pitchFamily="2" charset="-122"/>
-              <a:ea typeface="宋体" panose="02010600030101010101" pitchFamily="2" charset="-122"/>
-            </a:endParaRPr>
+              <a:t>如何选取测试数据用于构建具有可解释性的测试数据集？</a:t>
+            </a:r>
           </a:p>
         </p:txBody>
       </p:sp>
@@ -3133,10 +3082,6 @@
               </a:rPr>
               <a:t>关键科学问题</a:t>
             </a:r>
-            <a:endParaRPr lang="zh-CN" altLang="en-US" sz="1600" dirty="0">
-              <a:latin typeface="楷体" panose="02010609060101010101" pitchFamily="49" charset="-122"/>
-              <a:ea typeface="楷体" panose="02010609060101010101" pitchFamily="49" charset="-122"/>
-            </a:endParaRPr>
           </a:p>
         </p:txBody>
       </p:sp>
@@ -3349,10 +3294,6 @@
               </a:rPr>
               <a:t>理论研究</a:t>
             </a:r>
-            <a:endParaRPr lang="zh-CN" altLang="en-US" sz="1600" dirty="0">
-              <a:latin typeface="楷体" panose="02010609060101010101" pitchFamily="49" charset="-122"/>
-              <a:ea typeface="楷体" panose="02010609060101010101" pitchFamily="49" charset="-122"/>
-            </a:endParaRPr>
           </a:p>
         </p:txBody>
       </p:sp>
@@ -3404,10 +3345,6 @@
               </a:rPr>
               <a:t>关键技术</a:t>
             </a:r>
-            <a:endParaRPr lang="zh-CN" altLang="en-US" sz="1600" dirty="0">
-              <a:latin typeface="楷体" panose="02010609060101010101" pitchFamily="49" charset="-122"/>
-              <a:ea typeface="楷体" panose="02010609060101010101" pitchFamily="49" charset="-122"/>
-            </a:endParaRPr>
           </a:p>
         </p:txBody>
       </p:sp>
@@ -3459,10 +3396,6 @@
               </a:rPr>
               <a:t>实验验证</a:t>
             </a:r>
-            <a:endParaRPr lang="zh-CN" altLang="en-US" sz="1600" dirty="0">
-              <a:latin typeface="楷体" panose="02010609060101010101" pitchFamily="49" charset="-122"/>
-              <a:ea typeface="楷体" panose="02010609060101010101" pitchFamily="49" charset="-122"/>
-            </a:endParaRPr>
           </a:p>
         </p:txBody>
       </p:sp>
@@ -3510,10 +3443,6 @@
               </a:rPr>
               <a:t>基于知识萃取的决策行为模拟和抽取</a:t>
             </a:r>
-            <a:endParaRPr lang="zh-CN" altLang="en-US" sz="1400" dirty="0">
-              <a:latin typeface="宋体" panose="02010600030101010101" pitchFamily="2" charset="-122"/>
-              <a:ea typeface="宋体" panose="02010600030101010101" pitchFamily="2" charset="-122"/>
-            </a:endParaRPr>
           </a:p>
         </p:txBody>
       </p:sp>
@@ -3566,10 +3495,6 @@
               </a:rPr>
               <a:t>融合反馈偏置的自适应测试集生成</a:t>
             </a:r>
-            <a:endParaRPr lang="zh-CN" altLang="en-US" sz="1400" dirty="0">
-              <a:latin typeface="宋体" panose="02010600030101010101" pitchFamily="2" charset="-122"/>
-              <a:ea typeface="宋体" panose="02010600030101010101" pitchFamily="2" charset="-122"/>
-            </a:endParaRPr>
           </a:p>
         </p:txBody>
       </p:sp>
@@ -3620,12 +3545,8 @@
                 <a:latin typeface="宋体" panose="02010600030101010101" pitchFamily="2" charset="-122"/>
                 <a:ea typeface="宋体" panose="02010600030101010101" pitchFamily="2" charset="-122"/>
               </a:rPr>
-              <a:t>基于层次语义理解的白盒测试</a:t>
-            </a:r>
-            <a:endParaRPr lang="zh-CN" altLang="en-US" sz="1400" dirty="0">
-              <a:latin typeface="宋体" panose="02010600030101010101" pitchFamily="2" charset="-122"/>
-              <a:ea typeface="宋体" panose="02010600030101010101" pitchFamily="2" charset="-122"/>
-            </a:endParaRPr>
+              <a:t>基于决策行为模拟的黑盒测试</a:t>
+            </a:r>
           </a:p>
         </p:txBody>
       </p:sp>
@@ -3676,12 +3597,8 @@
                 <a:latin typeface="宋体" panose="02010600030101010101" pitchFamily="2" charset="-122"/>
                 <a:ea typeface="宋体" panose="02010600030101010101" pitchFamily="2" charset="-122"/>
               </a:rPr>
-              <a:t>基于决策行为模拟的黑盒测试</a:t>
-            </a:r>
-            <a:endParaRPr lang="zh-CN" altLang="en-US" sz="1400" dirty="0">
-              <a:latin typeface="宋体" panose="02010600030101010101" pitchFamily="2" charset="-122"/>
-              <a:ea typeface="宋体" panose="02010600030101010101" pitchFamily="2" charset="-122"/>
-            </a:endParaRPr>
+              <a:t>基于层次语义理解的白盒测试</a:t>
+            </a:r>
           </a:p>
         </p:txBody>
       </p:sp>
@@ -3734,25 +3651,22 @@
                 <a:latin typeface="宋体" panose="02010600030101010101" pitchFamily="2" charset="-122"/>
                 <a:ea typeface="宋体" panose="02010600030101010101" pitchFamily="2" charset="-122"/>
               </a:rPr>
-              <a:t>自动驾驶软件</a:t>
-            </a:r>
-            <a:endParaRPr lang="en-US" altLang="zh-CN" sz="1400" dirty="0">
-              <a:latin typeface="宋体" panose="02010600030101010101" pitchFamily="2" charset="-122"/>
-              <a:ea typeface="宋体" panose="02010600030101010101" pitchFamily="2" charset="-122"/>
-            </a:endParaRPr>
-          </a:p>
-          <a:p>
+              <a:t>自动驾驶软件（转向</a:t>
+            </a:r>
+            <a:r>
+              <a:rPr lang="en-US" altLang="zh-CN" sz="1400" dirty="0">
+                <a:latin typeface="宋体" panose="02010600030101010101" pitchFamily="2" charset="-122"/>
+                <a:ea typeface="宋体" panose="02010600030101010101" pitchFamily="2" charset="-122"/>
+              </a:rPr>
+              <a:t>/</a:t>
+            </a:r>
             <a:r>
               <a:rPr lang="zh-CN" altLang="en-US" sz="1400" dirty="0">
                 <a:latin typeface="宋体" panose="02010600030101010101" pitchFamily="2" charset="-122"/>
                 <a:ea typeface="宋体" panose="02010600030101010101" pitchFamily="2" charset="-122"/>
               </a:rPr>
-              <a:t> （目标检测与分类）</a:t>
-            </a:r>
-            <a:endParaRPr lang="zh-CN" altLang="en-US" sz="1400" dirty="0">
-              <a:latin typeface="宋体" panose="02010600030101010101" pitchFamily="2" charset="-122"/>
-              <a:ea typeface="宋体" panose="02010600030101010101" pitchFamily="2" charset="-122"/>
-            </a:endParaRPr>
+              <a:t>转角预测任务）</a:t>
+            </a:r>
           </a:p>
         </p:txBody>
       </p:sp>
@@ -4015,6 +3929,8 @@
       </a:bgFillStyleLst>
     </a:fmtScheme>
   </a:themeElements>
+  <a:objectDefaults/>
+  <a:extraClrSchemeLst/>
   <a:extLst>
     <a:ext uri="{05A4C25C-085E-4340-85A3-A5531E510DB2}">
       <thm15:themeFamily xmlns:thm15="http://schemas.microsoft.com/office/thememl/2012/main" name="Office Theme" id="{62F939B6-93AF-4DB8-9C6B-D6C7DFDC589F}" vid="{4A3C46E8-61CC-4603-A589-7422A47A8E4A}"/>
